--- a/SQL-Server/SQL.pptx
+++ b/SQL-Server/SQL.pptx
@@ -5,10 +5,10 @@
     <p:sldMasterId id="2147483648" r:id="rId1"/>
   </p:sldMasterIdLst>
   <p:notesMasterIdLst>
-    <p:notesMasterId r:id="rId14"/>
+    <p:notesMasterId r:id="rId18"/>
   </p:notesMasterIdLst>
   <p:handoutMasterIdLst>
-    <p:handoutMasterId r:id="rId15"/>
+    <p:handoutMasterId r:id="rId19"/>
   </p:handoutMasterIdLst>
   <p:sldIdLst>
     <p:sldId id="256" r:id="rId2"/>
@@ -22,7 +22,11 @@
     <p:sldId id="400" r:id="rId10"/>
     <p:sldId id="401" r:id="rId11"/>
     <p:sldId id="402" r:id="rId12"/>
-    <p:sldId id="258" r:id="rId13"/>
+    <p:sldId id="403" r:id="rId13"/>
+    <p:sldId id="404" r:id="rId14"/>
+    <p:sldId id="405" r:id="rId15"/>
+    <p:sldId id="406" r:id="rId16"/>
+    <p:sldId id="258" r:id="rId17"/>
   </p:sldIdLst>
   <p:sldSz cx="12192000" cy="6858000"/>
   <p:notesSz cx="6858000" cy="9144000"/>
@@ -123,7 +127,7 @@
   </p:defaultTextStyle>
   <p:extLst>
     <p:ext uri="{EFAFB233-063F-42B5-8137-9DF3F51BA10A}">
-      <p15:sldGuideLst xmlns:p15="http://schemas.microsoft.com/office/powerpoint/2012/main">
+      <p15:sldGuideLst xmlns:p15="http://schemas.microsoft.com/office/powerpoint/2012/main" xmlns="">
         <p15:guide id="1" orient="horz" pos="2160">
           <p15:clr>
             <a:srgbClr val="A4A3A4"/>
@@ -137,7 +141,7 @@
       </p15:sldGuideLst>
     </p:ext>
     <p:ext uri="{2D200454-40CA-4A62-9FC3-DE9A4176ACB9}">
-      <p15:notesGuideLst xmlns:p15="http://schemas.microsoft.com/office/powerpoint/2012/main"/>
+      <p15:notesGuideLst xmlns:p15="http://schemas.microsoft.com/office/powerpoint/2012/main" xmlns=""/>
     </p:ext>
   </p:extLst>
 </p:presentation>
@@ -226,7 +230,7 @@
             <a:fld id="{318A8568-51FF-43AC-B4CE-5F1DBCA657A6}" type="datetimeFigureOut">
               <a:rPr lang="he-IL" smtClean="0"/>
               <a:pPr/>
-              <a:t>כ"ח/אב/תשע"ט</a:t>
+              <a:t>ה'/אלול/תשע"ט</a:t>
             </a:fld>
             <a:endParaRPr lang="he-IL"/>
           </a:p>
@@ -393,7 +397,7 @@
             <a:fld id="{D0556BD3-F061-43A7-AF78-72363F2762A2}" type="datetimeFigureOut">
               <a:rPr lang="he-IL" smtClean="0"/>
               <a:pPr/>
-              <a:t>כ"ח/אב/תשע"ט</a:t>
+              <a:t>ה'/אלול/תשע"ט</a:t>
             </a:fld>
             <a:endParaRPr lang="he-IL"/>
           </a:p>
@@ -991,6 +995,346 @@
     </p:spTree>
     <p:extLst>
       <p:ext uri="{BB962C8B-B14F-4D97-AF65-F5344CB8AC3E}">
+        <p14:creationId xmlns:p14="http://schemas.microsoft.com/office/powerpoint/2010/main" val="1701600645"/>
+      </p:ext>
+    </p:extLst>
+  </p:cSld>
+  <p:clrMapOvr>
+    <a:masterClrMapping/>
+  </p:clrMapOvr>
+</p:notes>
+</file>
+
+<file path=ppt/notesSlides/notesSlide13.xml><?xml version="1.0" encoding="utf-8"?>
+<p:notes xmlns:a="http://schemas.openxmlformats.org/drawingml/2006/main" xmlns:r="http://schemas.openxmlformats.org/officeDocument/2006/relationships" xmlns:p="http://schemas.openxmlformats.org/presentationml/2006/main">
+  <p:cSld>
+    <p:spTree>
+      <p:nvGrpSpPr>
+        <p:cNvPr id="1" name=""/>
+        <p:cNvGrpSpPr/>
+        <p:nvPr/>
+      </p:nvGrpSpPr>
+      <p:grpSpPr>
+        <a:xfrm>
+          <a:off x="0" y="0"/>
+          <a:ext cx="0" cy="0"/>
+          <a:chOff x="0" y="0"/>
+          <a:chExt cx="0" cy="0"/>
+        </a:xfrm>
+      </p:grpSpPr>
+      <p:sp>
+        <p:nvSpPr>
+          <p:cNvPr id="2" name="מציין מיקום של תמונת שקופית 1"/>
+          <p:cNvSpPr>
+            <a:spLocks noGrp="1" noRot="1" noChangeAspect="1"/>
+          </p:cNvSpPr>
+          <p:nvPr>
+            <p:ph type="sldImg"/>
+          </p:nvPr>
+        </p:nvSpPr>
+        <p:spPr/>
+      </p:sp>
+      <p:sp>
+        <p:nvSpPr>
+          <p:cNvPr id="3" name="מציין מיקום של הערות 2"/>
+          <p:cNvSpPr>
+            <a:spLocks noGrp="1"/>
+          </p:cNvSpPr>
+          <p:nvPr>
+            <p:ph type="body" idx="1"/>
+          </p:nvPr>
+        </p:nvSpPr>
+        <p:spPr/>
+        <p:txBody>
+          <a:bodyPr/>
+          <a:lstStyle/>
+          <a:p>
+            <a:endParaRPr lang="he-IL"/>
+          </a:p>
+        </p:txBody>
+      </p:sp>
+      <p:sp>
+        <p:nvSpPr>
+          <p:cNvPr id="4" name="מציין מיקום של מספר שקופית 3"/>
+          <p:cNvSpPr>
+            <a:spLocks noGrp="1"/>
+          </p:cNvSpPr>
+          <p:nvPr>
+            <p:ph type="sldNum" sz="quarter" idx="10"/>
+          </p:nvPr>
+        </p:nvSpPr>
+        <p:spPr/>
+        <p:txBody>
+          <a:bodyPr/>
+          <a:lstStyle/>
+          <a:p>
+            <a:fld id="{09E9EB3C-70E5-4D6D-9164-8BAEE623CB8B}" type="slidenum">
+              <a:rPr lang="he-IL" smtClean="0"/>
+              <a:pPr/>
+              <a:t>13</a:t>
+            </a:fld>
+            <a:endParaRPr lang="he-IL"/>
+          </a:p>
+        </p:txBody>
+      </p:sp>
+    </p:spTree>
+    <p:extLst>
+      <p:ext uri="{BB962C8B-B14F-4D97-AF65-F5344CB8AC3E}">
+        <p14:creationId xmlns:p14="http://schemas.microsoft.com/office/powerpoint/2010/main" val="1701600645"/>
+      </p:ext>
+    </p:extLst>
+  </p:cSld>
+  <p:clrMapOvr>
+    <a:masterClrMapping/>
+  </p:clrMapOvr>
+</p:notes>
+</file>
+
+<file path=ppt/notesSlides/notesSlide14.xml><?xml version="1.0" encoding="utf-8"?>
+<p:notes xmlns:a="http://schemas.openxmlformats.org/drawingml/2006/main" xmlns:r="http://schemas.openxmlformats.org/officeDocument/2006/relationships" xmlns:p="http://schemas.openxmlformats.org/presentationml/2006/main">
+  <p:cSld>
+    <p:spTree>
+      <p:nvGrpSpPr>
+        <p:cNvPr id="1" name=""/>
+        <p:cNvGrpSpPr/>
+        <p:nvPr/>
+      </p:nvGrpSpPr>
+      <p:grpSpPr>
+        <a:xfrm>
+          <a:off x="0" y="0"/>
+          <a:ext cx="0" cy="0"/>
+          <a:chOff x="0" y="0"/>
+          <a:chExt cx="0" cy="0"/>
+        </a:xfrm>
+      </p:grpSpPr>
+      <p:sp>
+        <p:nvSpPr>
+          <p:cNvPr id="2" name="מציין מיקום של תמונת שקופית 1"/>
+          <p:cNvSpPr>
+            <a:spLocks noGrp="1" noRot="1" noChangeAspect="1"/>
+          </p:cNvSpPr>
+          <p:nvPr>
+            <p:ph type="sldImg"/>
+          </p:nvPr>
+        </p:nvSpPr>
+        <p:spPr/>
+      </p:sp>
+      <p:sp>
+        <p:nvSpPr>
+          <p:cNvPr id="3" name="מציין מיקום של הערות 2"/>
+          <p:cNvSpPr>
+            <a:spLocks noGrp="1"/>
+          </p:cNvSpPr>
+          <p:nvPr>
+            <p:ph type="body" idx="1"/>
+          </p:nvPr>
+        </p:nvSpPr>
+        <p:spPr/>
+        <p:txBody>
+          <a:bodyPr/>
+          <a:lstStyle/>
+          <a:p>
+            <a:endParaRPr lang="he-IL"/>
+          </a:p>
+        </p:txBody>
+      </p:sp>
+      <p:sp>
+        <p:nvSpPr>
+          <p:cNvPr id="4" name="מציין מיקום של מספר שקופית 3"/>
+          <p:cNvSpPr>
+            <a:spLocks noGrp="1"/>
+          </p:cNvSpPr>
+          <p:nvPr>
+            <p:ph type="sldNum" sz="quarter" idx="10"/>
+          </p:nvPr>
+        </p:nvSpPr>
+        <p:spPr/>
+        <p:txBody>
+          <a:bodyPr/>
+          <a:lstStyle/>
+          <a:p>
+            <a:fld id="{09E9EB3C-70E5-4D6D-9164-8BAEE623CB8B}" type="slidenum">
+              <a:rPr lang="he-IL" smtClean="0"/>
+              <a:pPr/>
+              <a:t>14</a:t>
+            </a:fld>
+            <a:endParaRPr lang="he-IL"/>
+          </a:p>
+        </p:txBody>
+      </p:sp>
+    </p:spTree>
+    <p:extLst>
+      <p:ext uri="{BB962C8B-B14F-4D97-AF65-F5344CB8AC3E}">
+        <p14:creationId xmlns:p14="http://schemas.microsoft.com/office/powerpoint/2010/main" val="1701600645"/>
+      </p:ext>
+    </p:extLst>
+  </p:cSld>
+  <p:clrMapOvr>
+    <a:masterClrMapping/>
+  </p:clrMapOvr>
+</p:notes>
+</file>
+
+<file path=ppt/notesSlides/notesSlide15.xml><?xml version="1.0" encoding="utf-8"?>
+<p:notes xmlns:a="http://schemas.openxmlformats.org/drawingml/2006/main" xmlns:r="http://schemas.openxmlformats.org/officeDocument/2006/relationships" xmlns:p="http://schemas.openxmlformats.org/presentationml/2006/main">
+  <p:cSld>
+    <p:spTree>
+      <p:nvGrpSpPr>
+        <p:cNvPr id="1" name=""/>
+        <p:cNvGrpSpPr/>
+        <p:nvPr/>
+      </p:nvGrpSpPr>
+      <p:grpSpPr>
+        <a:xfrm>
+          <a:off x="0" y="0"/>
+          <a:ext cx="0" cy="0"/>
+          <a:chOff x="0" y="0"/>
+          <a:chExt cx="0" cy="0"/>
+        </a:xfrm>
+      </p:grpSpPr>
+      <p:sp>
+        <p:nvSpPr>
+          <p:cNvPr id="2" name="מציין מיקום של תמונת שקופית 1"/>
+          <p:cNvSpPr>
+            <a:spLocks noGrp="1" noRot="1" noChangeAspect="1"/>
+          </p:cNvSpPr>
+          <p:nvPr>
+            <p:ph type="sldImg"/>
+          </p:nvPr>
+        </p:nvSpPr>
+        <p:spPr/>
+      </p:sp>
+      <p:sp>
+        <p:nvSpPr>
+          <p:cNvPr id="3" name="מציין מיקום של הערות 2"/>
+          <p:cNvSpPr>
+            <a:spLocks noGrp="1"/>
+          </p:cNvSpPr>
+          <p:nvPr>
+            <p:ph type="body" idx="1"/>
+          </p:nvPr>
+        </p:nvSpPr>
+        <p:spPr/>
+        <p:txBody>
+          <a:bodyPr/>
+          <a:lstStyle/>
+          <a:p>
+            <a:endParaRPr lang="he-IL"/>
+          </a:p>
+        </p:txBody>
+      </p:sp>
+      <p:sp>
+        <p:nvSpPr>
+          <p:cNvPr id="4" name="מציין מיקום של מספר שקופית 3"/>
+          <p:cNvSpPr>
+            <a:spLocks noGrp="1"/>
+          </p:cNvSpPr>
+          <p:nvPr>
+            <p:ph type="sldNum" sz="quarter" idx="10"/>
+          </p:nvPr>
+        </p:nvSpPr>
+        <p:spPr/>
+        <p:txBody>
+          <a:bodyPr/>
+          <a:lstStyle/>
+          <a:p>
+            <a:fld id="{09E9EB3C-70E5-4D6D-9164-8BAEE623CB8B}" type="slidenum">
+              <a:rPr lang="he-IL" smtClean="0"/>
+              <a:pPr/>
+              <a:t>15</a:t>
+            </a:fld>
+            <a:endParaRPr lang="he-IL"/>
+          </a:p>
+        </p:txBody>
+      </p:sp>
+    </p:spTree>
+    <p:extLst>
+      <p:ext uri="{BB962C8B-B14F-4D97-AF65-F5344CB8AC3E}">
+        <p14:creationId xmlns:p14="http://schemas.microsoft.com/office/powerpoint/2010/main" val="1701600645"/>
+      </p:ext>
+    </p:extLst>
+  </p:cSld>
+  <p:clrMapOvr>
+    <a:masterClrMapping/>
+  </p:clrMapOvr>
+</p:notes>
+</file>
+
+<file path=ppt/notesSlides/notesSlide16.xml><?xml version="1.0" encoding="utf-8"?>
+<p:notes xmlns:a="http://schemas.openxmlformats.org/drawingml/2006/main" xmlns:r="http://schemas.openxmlformats.org/officeDocument/2006/relationships" xmlns:p="http://schemas.openxmlformats.org/presentationml/2006/main">
+  <p:cSld>
+    <p:spTree>
+      <p:nvGrpSpPr>
+        <p:cNvPr id="1" name=""/>
+        <p:cNvGrpSpPr/>
+        <p:nvPr/>
+      </p:nvGrpSpPr>
+      <p:grpSpPr>
+        <a:xfrm>
+          <a:off x="0" y="0"/>
+          <a:ext cx="0" cy="0"/>
+          <a:chOff x="0" y="0"/>
+          <a:chExt cx="0" cy="0"/>
+        </a:xfrm>
+      </p:grpSpPr>
+      <p:sp>
+        <p:nvSpPr>
+          <p:cNvPr id="2" name="מציין מיקום של תמונת שקופית 1"/>
+          <p:cNvSpPr>
+            <a:spLocks noGrp="1" noRot="1" noChangeAspect="1"/>
+          </p:cNvSpPr>
+          <p:nvPr>
+            <p:ph type="sldImg"/>
+          </p:nvPr>
+        </p:nvSpPr>
+        <p:spPr/>
+      </p:sp>
+      <p:sp>
+        <p:nvSpPr>
+          <p:cNvPr id="3" name="מציין מיקום של הערות 2"/>
+          <p:cNvSpPr>
+            <a:spLocks noGrp="1"/>
+          </p:cNvSpPr>
+          <p:nvPr>
+            <p:ph type="body" idx="1"/>
+          </p:nvPr>
+        </p:nvSpPr>
+        <p:spPr/>
+        <p:txBody>
+          <a:bodyPr/>
+          <a:lstStyle/>
+          <a:p>
+            <a:endParaRPr lang="he-IL"/>
+          </a:p>
+        </p:txBody>
+      </p:sp>
+      <p:sp>
+        <p:nvSpPr>
+          <p:cNvPr id="4" name="מציין מיקום של מספר שקופית 3"/>
+          <p:cNvSpPr>
+            <a:spLocks noGrp="1"/>
+          </p:cNvSpPr>
+          <p:nvPr>
+            <p:ph type="sldNum" sz="quarter" idx="10"/>
+          </p:nvPr>
+        </p:nvSpPr>
+        <p:spPr/>
+        <p:txBody>
+          <a:bodyPr/>
+          <a:lstStyle/>
+          <a:p>
+            <a:fld id="{09E9EB3C-70E5-4D6D-9164-8BAEE623CB8B}" type="slidenum">
+              <a:rPr lang="he-IL" smtClean="0"/>
+              <a:pPr/>
+              <a:t>16</a:t>
+            </a:fld>
+            <a:endParaRPr lang="he-IL"/>
+          </a:p>
+        </p:txBody>
+      </p:sp>
+    </p:spTree>
+    <p:extLst>
+      <p:ext uri="{BB962C8B-B14F-4D97-AF65-F5344CB8AC3E}">
         <p14:creationId xmlns:p14="http://schemas.microsoft.com/office/powerpoint/2010/main" val="161514622"/>
       </p:ext>
     </p:extLst>
@@ -1987,7 +2331,7 @@
             <a:fld id="{E1CED8D0-90F8-4CE8-B78B-AE4FE5AE3A55}" type="datetime1">
               <a:rPr lang="en-US" smtClean="0"/>
               <a:pPr/>
-              <a:t>8/29/2019</a:t>
+              <a:t>9/5/2019</a:t>
             </a:fld>
             <a:endParaRPr lang="en-US" dirty="0"/>
           </a:p>
@@ -2340,7 +2684,7 @@
             <a:fld id="{40662128-2023-4485-B2F6-755AD8BADDF3}" type="datetime1">
               <a:rPr lang="en-US" smtClean="0"/>
               <a:pPr/>
-              <a:t>8/29/2019</a:t>
+              <a:t>9/5/2019</a:t>
             </a:fld>
             <a:endParaRPr lang="en-US" dirty="0"/>
           </a:p>
@@ -2741,7 +3085,7 @@
             <a:fld id="{40662128-2023-4485-B2F6-755AD8BADDF3}" type="datetime1">
               <a:rPr lang="en-US" smtClean="0"/>
               <a:pPr/>
-              <a:t>8/29/2019</a:t>
+              <a:t>9/5/2019</a:t>
             </a:fld>
             <a:endParaRPr lang="en-US" dirty="0"/>
           </a:p>
@@ -3093,7 +3437,7 @@
             <a:fld id="{40662128-2023-4485-B2F6-755AD8BADDF3}" type="datetime1">
               <a:rPr lang="en-US" smtClean="0"/>
               <a:pPr/>
-              <a:t>8/29/2019</a:t>
+              <a:t>9/5/2019</a:t>
             </a:fld>
             <a:endParaRPr lang="en-US" dirty="0"/>
           </a:p>
@@ -3337,7 +3681,7 @@
             <a:fld id="{408856C7-F110-4C6A-9E8D-0B67298256E1}" type="datetime1">
               <a:rPr lang="en-US" smtClean="0"/>
               <a:pPr/>
-              <a:t>8/29/2019</a:t>
+              <a:t>9/5/2019</a:t>
             </a:fld>
             <a:endParaRPr lang="en-US" dirty="0"/>
           </a:p>
@@ -3568,7 +3912,7 @@
             <a:fld id="{408856C7-F110-4C6A-9E8D-0B67298256E1}" type="datetime1">
               <a:rPr lang="en-US" smtClean="0"/>
               <a:pPr/>
-              <a:t>8/29/2019</a:t>
+              <a:t>9/5/2019</a:t>
             </a:fld>
             <a:endParaRPr lang="en-US" dirty="0"/>
           </a:p>
@@ -3815,7 +4159,7 @@
             <a:fld id="{408856C7-F110-4C6A-9E8D-0B67298256E1}" type="datetime1">
               <a:rPr lang="en-US" smtClean="0"/>
               <a:pPr/>
-              <a:t>8/29/2019</a:t>
+              <a:t>9/5/2019</a:t>
             </a:fld>
             <a:endParaRPr lang="en-US" dirty="0"/>
           </a:p>
@@ -3920,7 +4264,7 @@
             <a:fld id="{31FFA521-F038-4F5B-B3F8-C50B2B554D8C}" type="datetime1">
               <a:rPr lang="en-US" smtClean="0"/>
               <a:pPr/>
-              <a:t>8/29/2019</a:t>
+              <a:t>9/5/2019</a:t>
             </a:fld>
             <a:endParaRPr lang="en-US" dirty="0"/>
           </a:p>
@@ -4012,7 +4356,7 @@
             <a:fld id="{31FFA521-F038-4F5B-B3F8-C50B2B554D8C}" type="datetime1">
               <a:rPr lang="en-US" smtClean="0"/>
               <a:pPr/>
-              <a:t>8/29/2019</a:t>
+              <a:t>9/5/2019</a:t>
             </a:fld>
             <a:endParaRPr lang="en-US" dirty="0"/>
           </a:p>
@@ -4117,7 +4461,7 @@
             <a:fld id="{31FFA521-F038-4F5B-B3F8-C50B2B554D8C}" type="datetime1">
               <a:rPr lang="en-US" smtClean="0"/>
               <a:pPr/>
-              <a:t>8/29/2019</a:t>
+              <a:t>9/5/2019</a:t>
             </a:fld>
             <a:endParaRPr lang="en-US" dirty="0"/>
           </a:p>
@@ -4625,7 +4969,7 @@
             <a:fld id="{E1CED8D0-90F8-4CE8-B78B-AE4FE5AE3A55}" type="datetime1">
               <a:rPr lang="en-US" smtClean="0"/>
               <a:pPr/>
-              <a:t>8/29/2019</a:t>
+              <a:t>9/5/2019</a:t>
             </a:fld>
             <a:endParaRPr lang="en-US" dirty="0"/>
           </a:p>
@@ -5020,7 +5364,7 @@
             <a:fld id="{E1CED8D0-90F8-4CE8-B78B-AE4FE5AE3A55}" type="datetime1">
               <a:rPr lang="en-US" smtClean="0"/>
               <a:pPr/>
-              <a:t>8/29/2019</a:t>
+              <a:t>9/5/2019</a:t>
             </a:fld>
             <a:endParaRPr lang="en-US" dirty="0"/>
           </a:p>
@@ -5408,7 +5752,7 @@
             <a:fld id="{F242BEEB-70FC-4ED0-BC97-CC2209EDFD28}" type="datetime1">
               <a:rPr lang="en-US" smtClean="0"/>
               <a:pPr/>
-              <a:t>8/29/2019</a:t>
+              <a:t>9/5/2019</a:t>
             </a:fld>
             <a:endParaRPr lang="en-US" dirty="0"/>
           </a:p>
@@ -5799,7 +6143,7 @@
             <a:fld id="{F242BEEB-70FC-4ED0-BC97-CC2209EDFD28}" type="datetime1">
               <a:rPr lang="en-US" smtClean="0"/>
               <a:pPr/>
-              <a:t>8/29/2019</a:t>
+              <a:t>9/5/2019</a:t>
             </a:fld>
             <a:endParaRPr lang="en-US" dirty="0"/>
           </a:p>
@@ -6187,7 +6531,7 @@
             <a:fld id="{F242BEEB-70FC-4ED0-BC97-CC2209EDFD28}" type="datetime1">
               <a:rPr lang="en-US" smtClean="0"/>
               <a:pPr/>
-              <a:t>8/29/2019</a:t>
+              <a:t>9/5/2019</a:t>
             </a:fld>
             <a:endParaRPr lang="en-US" dirty="0"/>
           </a:p>
@@ -6854,7 +7198,7 @@
             <a:fld id="{F5FEDB60-23FA-4F1A-ADC8-F3D546BD0D93}" type="datetime1">
               <a:rPr lang="en-US" smtClean="0"/>
               <a:pPr/>
-              <a:t>8/29/2019</a:t>
+              <a:t>9/5/2019</a:t>
             </a:fld>
             <a:endParaRPr lang="en-US" dirty="0"/>
           </a:p>
@@ -7529,7 +7873,7 @@
             <a:fld id="{F5FEDB60-23FA-4F1A-ADC8-F3D546BD0D93}" type="datetime1">
               <a:rPr lang="en-US" smtClean="0"/>
               <a:pPr/>
-              <a:t>8/29/2019</a:t>
+              <a:t>9/5/2019</a:t>
             </a:fld>
             <a:endParaRPr lang="en-US" dirty="0"/>
           </a:p>
@@ -8176,7 +8520,7 @@
             <a:fld id="{4415FC28-8FF6-4688-AD95-6A84D193CCF6}" type="datetime1">
               <a:rPr lang="en-US" smtClean="0"/>
               <a:pPr/>
-              <a:t>8/29/2019</a:t>
+              <a:t>9/5/2019</a:t>
             </a:fld>
             <a:endParaRPr lang="en-US" dirty="0"/>
           </a:p>
@@ -8440,7 +8784,7 @@
             <a:fld id="{4415FC28-8FF6-4688-AD95-6A84D193CCF6}" type="datetime1">
               <a:rPr lang="en-US" smtClean="0"/>
               <a:pPr/>
-              <a:t>8/29/2019</a:t>
+              <a:t>9/5/2019</a:t>
             </a:fld>
             <a:endParaRPr lang="en-US" dirty="0"/>
           </a:p>
@@ -9130,7 +9474,6 @@
               <a:rPr lang="he-IL" dirty="0" smtClean="0"/>
               <a:t>כלשהו:</a:t>
             </a:r>
-            <a:endParaRPr lang="he-IL" dirty="0" smtClean="0"/>
           </a:p>
           <a:p>
             <a:endParaRPr lang="he-IL" dirty="0" smtClean="0"/>
@@ -9402,19 +9745,7 @@
             </a:r>
             <a:r>
               <a:rPr lang="he-IL" dirty="0" smtClean="0"/>
-              <a:t> </a:t>
-            </a:r>
-            <a:r>
-              <a:rPr lang="he-IL" dirty="0" smtClean="0"/>
-              <a:t>– </a:t>
-            </a:r>
-            <a:r>
-              <a:rPr lang="he-IL" dirty="0" smtClean="0"/>
-              <a:t>עדכון </a:t>
-            </a:r>
-            <a:r>
-              <a:rPr lang="he-IL" dirty="0" smtClean="0"/>
-              <a:t>רשומה</a:t>
+              <a:t> – עדכון רשומה</a:t>
             </a:r>
             <a:endParaRPr lang="he-IL" dirty="0"/>
           </a:p>
@@ -9730,19 +10061,7 @@
             </a:r>
             <a:r>
               <a:rPr lang="he-IL" dirty="0" smtClean="0"/>
-              <a:t> </a:t>
-            </a:r>
-            <a:r>
-              <a:rPr lang="he-IL" dirty="0" smtClean="0"/>
-              <a:t>– </a:t>
-            </a:r>
-            <a:r>
-              <a:rPr lang="he-IL" dirty="0" smtClean="0"/>
-              <a:t>עדכון </a:t>
-            </a:r>
-            <a:r>
-              <a:rPr lang="he-IL" dirty="0" smtClean="0"/>
-              <a:t>רשומה</a:t>
+              <a:t> – עדכון רשומה</a:t>
             </a:r>
             <a:endParaRPr lang="he-IL" dirty="0"/>
           </a:p>
@@ -9816,6 +10135,1071 @@
       </p:grpSpPr>
       <p:sp>
         <p:nvSpPr>
+          <p:cNvPr id="3" name="מציין מיקום תוכן 2"/>
+          <p:cNvSpPr>
+            <a:spLocks noGrp="1"/>
+          </p:cNvSpPr>
+          <p:nvPr>
+            <p:ph idx="1"/>
+          </p:nvPr>
+        </p:nvSpPr>
+        <p:spPr/>
+        <p:txBody>
+          <a:bodyPr anchor="t">
+            <a:normAutofit/>
+          </a:bodyPr>
+          <a:lstStyle/>
+          <a:p>
+            <a:r>
+              <a:rPr lang="he-IL" dirty="0"/>
+              <a:t> מאפשרת </a:t>
+            </a:r>
+            <a:r>
+              <a:rPr lang="he-IL" dirty="0" smtClean="0"/>
+              <a:t>מחיקת רשומה </a:t>
+            </a:r>
+            <a:r>
+              <a:rPr lang="he-IL" dirty="0"/>
+              <a:t>בודדת או </a:t>
+            </a:r>
+            <a:r>
+              <a:rPr lang="he-IL" dirty="0" smtClean="0"/>
+              <a:t>מחיקה בו-זמנית </a:t>
+            </a:r>
+            <a:r>
+              <a:rPr lang="he-IL" dirty="0"/>
+              <a:t>של </a:t>
+            </a:r>
+            <a:r>
+              <a:rPr lang="he-IL" dirty="0" smtClean="0"/>
+              <a:t>מספר רשומות המקיימות </a:t>
+            </a:r>
+            <a:r>
+              <a:rPr lang="he-IL" dirty="0"/>
+              <a:t>תנאי לוגי </a:t>
+            </a:r>
+            <a:r>
+              <a:rPr lang="he-IL" dirty="0" smtClean="0"/>
+              <a:t>כלשהו:</a:t>
+            </a:r>
+          </a:p>
+          <a:p>
+            <a:endParaRPr lang="he-IL" dirty="0" smtClean="0"/>
+          </a:p>
+          <a:p>
+            <a:pPr algn="l" rtl="0">
+              <a:buNone/>
+            </a:pPr>
+            <a:r>
+              <a:rPr lang="en-US" dirty="0" smtClean="0"/>
+              <a:t>DELETE FROM</a:t>
+            </a:r>
+            <a:r>
+              <a:rPr lang="he-IL" dirty="0" smtClean="0"/>
+              <a:t>שם </a:t>
+            </a:r>
+            <a:r>
+              <a:rPr lang="he-IL" dirty="0"/>
+              <a:t>טבלה </a:t>
+            </a:r>
+            <a:endParaRPr lang="he-IL" dirty="0" smtClean="0"/>
+          </a:p>
+          <a:p>
+            <a:pPr algn="l" rtl="0">
+              <a:buNone/>
+            </a:pPr>
+            <a:r>
+              <a:rPr lang="en-US" dirty="0" smtClean="0"/>
+              <a:t>WHERE  </a:t>
+            </a:r>
+            <a:r>
+              <a:rPr lang="en-US" dirty="0" smtClean="0"/>
+              <a:t>[</a:t>
+            </a:r>
+            <a:r>
+              <a:rPr lang="he-IL" dirty="0" smtClean="0"/>
+              <a:t>תנאי</a:t>
+            </a:r>
+            <a:r>
+              <a:rPr lang="en-US" dirty="0" smtClean="0"/>
+              <a:t>]</a:t>
+            </a:r>
+            <a:endParaRPr lang="he-IL" dirty="0"/>
+          </a:p>
+          <a:p>
+            <a:pPr algn="r">
+              <a:buNone/>
+            </a:pPr>
+            <a:endParaRPr lang="en-US" dirty="0" smtClean="0"/>
+          </a:p>
+          <a:p>
+            <a:pPr>
+              <a:buNone/>
+            </a:pPr>
+            <a:r>
+              <a:rPr lang="en-US" dirty="0" smtClean="0"/>
+              <a:t>	</a:t>
+            </a:r>
+            <a:r>
+              <a:rPr lang="he-IL" dirty="0" smtClean="0"/>
+              <a:t>שימו לב: מחיקה ללא תנאי תמחק את כל הרשומות בטבלה.</a:t>
+            </a:r>
+            <a:endParaRPr lang="he-IL" dirty="0" smtClean="0"/>
+          </a:p>
+          <a:p>
+            <a:pPr>
+              <a:buNone/>
+            </a:pPr>
+            <a:r>
+              <a:rPr lang="he-IL" dirty="0"/>
+              <a:t>	</a:t>
+            </a:r>
+            <a:r>
+              <a:rPr lang="he-IL" dirty="0" smtClean="0"/>
+              <a:t>נהוג לצרף תנאי </a:t>
+            </a:r>
+            <a:r>
+              <a:rPr lang="he-IL" dirty="0"/>
+              <a:t>במשפט </a:t>
+            </a:r>
+            <a:r>
+              <a:rPr lang="en-US" dirty="0" smtClean="0"/>
+              <a:t>WHERE</a:t>
+            </a:r>
+            <a:r>
+              <a:rPr lang="he-IL" dirty="0" smtClean="0"/>
+              <a:t>  </a:t>
+            </a:r>
+            <a:r>
+              <a:rPr lang="he-IL" dirty="0" smtClean="0"/>
+              <a:t>על מנת שלא כל הרשומות ימחקו, אלא אלו אותן אנו רוצים. </a:t>
+            </a:r>
+            <a:endParaRPr lang="he-IL" dirty="0" smtClean="0"/>
+          </a:p>
+          <a:p>
+            <a:pPr>
+              <a:buNone/>
+            </a:pPr>
+            <a:r>
+              <a:rPr lang="he-IL" dirty="0"/>
+              <a:t>	</a:t>
+            </a:r>
+            <a:r>
+              <a:rPr lang="he-IL" dirty="0" smtClean="0"/>
+              <a:t>לדוגמא:</a:t>
+            </a:r>
+          </a:p>
+          <a:p>
+            <a:pPr algn="l" rtl="0">
+              <a:buNone/>
+            </a:pPr>
+            <a:r>
+              <a:rPr lang="en-US" dirty="0" smtClean="0"/>
+              <a:t>DELETE FROM P</a:t>
+            </a:r>
+            <a:r>
+              <a:rPr lang="he-IL" dirty="0" smtClean="0"/>
+              <a:t>urchase</a:t>
+            </a:r>
+            <a:r>
+              <a:rPr lang="en-US" dirty="0" smtClean="0"/>
+              <a:t>I</a:t>
+            </a:r>
+            <a:r>
+              <a:rPr lang="he-IL" dirty="0" smtClean="0"/>
+              <a:t>tems </a:t>
+            </a:r>
+            <a:r>
+              <a:rPr lang="en-US" dirty="0" smtClean="0"/>
+              <a:t>WHERE</a:t>
+            </a:r>
+            <a:r>
+              <a:rPr lang="he-IL" dirty="0" smtClean="0"/>
+              <a:t> </a:t>
+            </a:r>
+            <a:r>
+              <a:rPr lang="en-US" dirty="0" smtClean="0"/>
+              <a:t>ID</a:t>
+            </a:r>
+            <a:r>
+              <a:rPr lang="he-IL" dirty="0" smtClean="0"/>
+              <a:t>15=</a:t>
+            </a:r>
+            <a:endParaRPr lang="he-IL" dirty="0"/>
+          </a:p>
+        </p:txBody>
+      </p:sp>
+      <p:sp>
+        <p:nvSpPr>
+          <p:cNvPr id="4" name="מציין מיקום של מספר שקופית 3"/>
+          <p:cNvSpPr>
+            <a:spLocks noGrp="1"/>
+          </p:cNvSpPr>
+          <p:nvPr>
+            <p:ph type="sldNum" sz="quarter" idx="12"/>
+          </p:nvPr>
+        </p:nvSpPr>
+        <p:spPr>
+          <a:xfrm>
+            <a:off x="10678331" y="5915888"/>
+            <a:ext cx="1062155" cy="490599"/>
+          </a:xfrm>
+        </p:spPr>
+        <p:txBody>
+          <a:bodyPr/>
+          <a:lstStyle/>
+          <a:p>
+            <a:fld id="{D57F1E4F-1CFF-5643-939E-217C01CDF565}" type="slidenum">
+              <a:rPr lang="en-US" smtClean="0"/>
+              <a:pPr/>
+              <a:t>12</a:t>
+            </a:fld>
+            <a:endParaRPr lang="en-US" dirty="0"/>
+          </a:p>
+        </p:txBody>
+      </p:sp>
+      <p:sp>
+        <p:nvSpPr>
+          <p:cNvPr id="2" name="כותרת 1"/>
+          <p:cNvSpPr>
+            <a:spLocks noGrp="1"/>
+          </p:cNvSpPr>
+          <p:nvPr>
+            <p:ph type="title"/>
+          </p:nvPr>
+        </p:nvSpPr>
+        <p:spPr>
+          <a:xfrm>
+            <a:off x="810000" y="124901"/>
+            <a:ext cx="10571998" cy="970450"/>
+          </a:xfrm>
+        </p:spPr>
+        <p:txBody>
+          <a:bodyPr/>
+          <a:lstStyle/>
+          <a:p>
+            <a:pPr marL="342900" indent="-342900">
+              <a:spcBef>
+                <a:spcPct val="20000"/>
+              </a:spcBef>
+              <a:spcAft>
+                <a:spcPts val="600"/>
+              </a:spcAft>
+            </a:pPr>
+            <a:r>
+              <a:rPr lang="en-US" dirty="0" smtClean="0"/>
+              <a:t>DELETE</a:t>
+            </a:r>
+            <a:r>
+              <a:rPr lang="he-IL" dirty="0" smtClean="0"/>
+              <a:t>– מחיקת רשומה</a:t>
+            </a:r>
+            <a:endParaRPr lang="he-IL" dirty="0"/>
+          </a:p>
+        </p:txBody>
+      </p:sp>
+      <p:sp>
+        <p:nvSpPr>
+          <p:cNvPr id="5" name="מלבן 4"/>
+          <p:cNvSpPr/>
+          <p:nvPr/>
+        </p:nvSpPr>
+        <p:spPr>
+          <a:xfrm>
+            <a:off x="5704706" y="3244334"/>
+            <a:ext cx="782587" cy="369332"/>
+          </a:xfrm>
+          <a:prstGeom prst="rect">
+            <a:avLst/>
+          </a:prstGeom>
+        </p:spPr>
+        <p:txBody>
+          <a:bodyPr wrap="none">
+            <a:spAutoFit/>
+          </a:bodyPr>
+          <a:lstStyle/>
+          <a:p>
+            <a:r>
+              <a:rPr lang="en-US" dirty="0" smtClean="0"/>
+              <a:t>T-SQL</a:t>
+            </a:r>
+            <a:endParaRPr lang="he-IL" dirty="0"/>
+          </a:p>
+        </p:txBody>
+      </p:sp>
+    </p:spTree>
+    <p:extLst>
+      <p:ext uri="{BB962C8B-B14F-4D97-AF65-F5344CB8AC3E}">
+        <p14:creationId xmlns:p14="http://schemas.microsoft.com/office/powerpoint/2010/main" val="881368256"/>
+      </p:ext>
+    </p:extLst>
+  </p:cSld>
+  <p:clrMapOvr>
+    <a:masterClrMapping/>
+  </p:clrMapOvr>
+  <p:timing>
+    <p:tnLst>
+      <p:par>
+        <p:cTn id="1" dur="indefinite" restart="never" nodeType="tmRoot"/>
+      </p:par>
+    </p:tnLst>
+  </p:timing>
+</p:sld>
+</file>
+
+<file path=ppt/slides/slide13.xml><?xml version="1.0" encoding="utf-8"?>
+<p:sld xmlns:a="http://schemas.openxmlformats.org/drawingml/2006/main" xmlns:r="http://schemas.openxmlformats.org/officeDocument/2006/relationships" xmlns:p="http://schemas.openxmlformats.org/presentationml/2006/main">
+  <p:cSld>
+    <p:spTree>
+      <p:nvGrpSpPr>
+        <p:cNvPr id="1" name=""/>
+        <p:cNvGrpSpPr/>
+        <p:nvPr/>
+      </p:nvGrpSpPr>
+      <p:grpSpPr>
+        <a:xfrm>
+          <a:off x="0" y="0"/>
+          <a:ext cx="0" cy="0"/>
+          <a:chOff x="0" y="0"/>
+          <a:chExt cx="0" cy="0"/>
+        </a:xfrm>
+      </p:grpSpPr>
+      <p:sp>
+        <p:nvSpPr>
+          <p:cNvPr id="3" name="מציין מיקום תוכן 2"/>
+          <p:cNvSpPr>
+            <a:spLocks noGrp="1"/>
+          </p:cNvSpPr>
+          <p:nvPr>
+            <p:ph idx="1"/>
+          </p:nvPr>
+        </p:nvSpPr>
+        <p:spPr/>
+        <p:txBody>
+          <a:bodyPr anchor="t">
+            <a:normAutofit/>
+          </a:bodyPr>
+          <a:lstStyle/>
+          <a:p>
+            <a:r>
+              <a:rPr lang="he-IL" dirty="0" smtClean="0"/>
+              <a:t>טרנסאקציות </a:t>
+            </a:r>
+            <a:r>
+              <a:rPr lang="he-IL" dirty="0"/>
+              <a:t>הן מקבץ </a:t>
+            </a:r>
+            <a:r>
+              <a:rPr lang="he-IL" dirty="0" smtClean="0"/>
+              <a:t>פקודות עדכון שונות </a:t>
+            </a:r>
+            <a:r>
+              <a:rPr lang="he-IL" dirty="0"/>
+              <a:t>אשר לרוב יהיו משוייכות לקבוצה לוגית אחת. </a:t>
+            </a:r>
+            <a:endParaRPr lang="he-IL" dirty="0" smtClean="0"/>
+          </a:p>
+          <a:p>
+            <a:r>
+              <a:rPr lang="he-IL" dirty="0" smtClean="0"/>
+              <a:t>בקבוצה </a:t>
+            </a:r>
+            <a:r>
+              <a:rPr lang="he-IL" dirty="0"/>
+              <a:t>לוגית אחת הכוונה למקבץ פעולות עם שייכות הגיונית, לדוגמא מקבץ </a:t>
+            </a:r>
+            <a:r>
+              <a:rPr lang="he-IL" dirty="0" smtClean="0"/>
+              <a:t>פעולות אשר </a:t>
+            </a:r>
+            <a:r>
+              <a:rPr lang="he-IL" dirty="0"/>
+              <a:t>מטרתן לעדכן נתונים מסויימים בפרטי הלקוחות בטבלה</a:t>
+            </a:r>
+            <a:r>
+              <a:rPr lang="he-IL" dirty="0" smtClean="0"/>
+              <a:t>.</a:t>
+            </a:r>
+          </a:p>
+          <a:p>
+            <a:r>
+              <a:rPr lang="he-IL" dirty="0" smtClean="0"/>
+              <a:t>טרנזקציה מכילה מספר שלבים בעת יצירתה:</a:t>
+            </a:r>
+          </a:p>
+          <a:p>
+            <a:pPr lvl="1"/>
+            <a:r>
+              <a:rPr lang="he-IL" dirty="0" smtClean="0"/>
+              <a:t>הגדרת תחילת טרנזקציה</a:t>
+            </a:r>
+          </a:p>
+          <a:p>
+            <a:pPr lvl="1"/>
+            <a:r>
+              <a:rPr lang="he-IL" dirty="0" smtClean="0"/>
+              <a:t>הפקודות אשר כלולות בטרנזקציה</a:t>
+            </a:r>
+          </a:p>
+          <a:p>
+            <a:pPr lvl="1"/>
+            <a:r>
+              <a:rPr lang="he-IL" dirty="0" smtClean="0"/>
+              <a:t>מימוש הטרנזקציה (</a:t>
+            </a:r>
+            <a:r>
+              <a:rPr lang="en-US" dirty="0" smtClean="0"/>
+              <a:t>Commit</a:t>
+            </a:r>
+            <a:r>
+              <a:rPr lang="he-IL" dirty="0" smtClean="0"/>
+              <a:t>)</a:t>
+            </a:r>
+          </a:p>
+          <a:p>
+            <a:pPr lvl="1"/>
+            <a:r>
+              <a:rPr lang="he-IL" dirty="0" smtClean="0"/>
+              <a:t>חזרה למצב התחלתי (</a:t>
+            </a:r>
+            <a:r>
+              <a:rPr lang="en-US" dirty="0" smtClean="0"/>
+              <a:t>Rollback</a:t>
+            </a:r>
+            <a:r>
+              <a:rPr lang="he-IL" dirty="0" smtClean="0"/>
+              <a:t>) – קורה אוטומטית בעת כשלון, או באופן יזום</a:t>
+            </a:r>
+          </a:p>
+          <a:p>
+            <a:pPr lvl="1"/>
+            <a:r>
+              <a:rPr lang="he-IL" dirty="0" smtClean="0"/>
+              <a:t>סגירת הטרנזקציה</a:t>
+            </a:r>
+            <a:endParaRPr lang="he-IL" dirty="0"/>
+          </a:p>
+        </p:txBody>
+      </p:sp>
+      <p:sp>
+        <p:nvSpPr>
+          <p:cNvPr id="4" name="מציין מיקום של מספר שקופית 3"/>
+          <p:cNvSpPr>
+            <a:spLocks noGrp="1"/>
+          </p:cNvSpPr>
+          <p:nvPr>
+            <p:ph type="sldNum" sz="quarter" idx="12"/>
+          </p:nvPr>
+        </p:nvSpPr>
+        <p:spPr>
+          <a:xfrm>
+            <a:off x="10678331" y="5915888"/>
+            <a:ext cx="1062155" cy="490599"/>
+          </a:xfrm>
+        </p:spPr>
+        <p:txBody>
+          <a:bodyPr/>
+          <a:lstStyle/>
+          <a:p>
+            <a:fld id="{D57F1E4F-1CFF-5643-939E-217C01CDF565}" type="slidenum">
+              <a:rPr lang="en-US" smtClean="0"/>
+              <a:pPr/>
+              <a:t>13</a:t>
+            </a:fld>
+            <a:endParaRPr lang="en-US" dirty="0"/>
+          </a:p>
+        </p:txBody>
+      </p:sp>
+      <p:sp>
+        <p:nvSpPr>
+          <p:cNvPr id="2" name="כותרת 1"/>
+          <p:cNvSpPr>
+            <a:spLocks noGrp="1"/>
+          </p:cNvSpPr>
+          <p:nvPr>
+            <p:ph type="title"/>
+          </p:nvPr>
+        </p:nvSpPr>
+        <p:spPr>
+          <a:xfrm>
+            <a:off x="810000" y="124901"/>
+            <a:ext cx="10571998" cy="970450"/>
+          </a:xfrm>
+        </p:spPr>
+        <p:txBody>
+          <a:bodyPr/>
+          <a:lstStyle/>
+          <a:p>
+            <a:pPr marL="342900" indent="-342900">
+              <a:spcBef>
+                <a:spcPct val="20000"/>
+              </a:spcBef>
+              <a:spcAft>
+                <a:spcPts val="600"/>
+              </a:spcAft>
+            </a:pPr>
+            <a:r>
+              <a:rPr lang="he-IL" dirty="0" smtClean="0"/>
+              <a:t>טרנזקציות</a:t>
+            </a:r>
+            <a:endParaRPr lang="he-IL" dirty="0"/>
+          </a:p>
+        </p:txBody>
+      </p:sp>
+      <p:sp>
+        <p:nvSpPr>
+          <p:cNvPr id="5" name="מלבן 4"/>
+          <p:cNvSpPr/>
+          <p:nvPr/>
+        </p:nvSpPr>
+        <p:spPr>
+          <a:xfrm>
+            <a:off x="5704706" y="3244334"/>
+            <a:ext cx="782587" cy="369332"/>
+          </a:xfrm>
+          <a:prstGeom prst="rect">
+            <a:avLst/>
+          </a:prstGeom>
+        </p:spPr>
+        <p:txBody>
+          <a:bodyPr wrap="none">
+            <a:spAutoFit/>
+          </a:bodyPr>
+          <a:lstStyle/>
+          <a:p>
+            <a:r>
+              <a:rPr lang="en-US" dirty="0" smtClean="0"/>
+              <a:t>T-SQL</a:t>
+            </a:r>
+            <a:endParaRPr lang="he-IL" dirty="0"/>
+          </a:p>
+        </p:txBody>
+      </p:sp>
+    </p:spTree>
+    <p:extLst>
+      <p:ext uri="{BB962C8B-B14F-4D97-AF65-F5344CB8AC3E}">
+        <p14:creationId xmlns:p14="http://schemas.microsoft.com/office/powerpoint/2010/main" val="562444603"/>
+      </p:ext>
+    </p:extLst>
+  </p:cSld>
+  <p:clrMapOvr>
+    <a:masterClrMapping/>
+  </p:clrMapOvr>
+  <p:timing>
+    <p:tnLst>
+      <p:par>
+        <p:cTn id="1" dur="indefinite" restart="never" nodeType="tmRoot"/>
+      </p:par>
+    </p:tnLst>
+  </p:timing>
+</p:sld>
+</file>
+
+<file path=ppt/slides/slide14.xml><?xml version="1.0" encoding="utf-8"?>
+<p:sld xmlns:a="http://schemas.openxmlformats.org/drawingml/2006/main" xmlns:r="http://schemas.openxmlformats.org/officeDocument/2006/relationships" xmlns:p="http://schemas.openxmlformats.org/presentationml/2006/main">
+  <p:cSld>
+    <p:spTree>
+      <p:nvGrpSpPr>
+        <p:cNvPr id="1" name=""/>
+        <p:cNvGrpSpPr/>
+        <p:nvPr/>
+      </p:nvGrpSpPr>
+      <p:grpSpPr>
+        <a:xfrm>
+          <a:off x="0" y="0"/>
+          <a:ext cx="0" cy="0"/>
+          <a:chOff x="0" y="0"/>
+          <a:chExt cx="0" cy="0"/>
+        </a:xfrm>
+      </p:grpSpPr>
+      <p:sp>
+        <p:nvSpPr>
+          <p:cNvPr id="3" name="מציין מיקום תוכן 2"/>
+          <p:cNvSpPr>
+            <a:spLocks noGrp="1"/>
+          </p:cNvSpPr>
+          <p:nvPr>
+            <p:ph idx="1"/>
+          </p:nvPr>
+        </p:nvSpPr>
+        <p:spPr/>
+        <p:txBody>
+          <a:bodyPr anchor="t">
+            <a:normAutofit/>
+          </a:bodyPr>
+          <a:lstStyle/>
+          <a:p>
+            <a:r>
+              <a:rPr lang="he-IL" dirty="0" smtClean="0"/>
+              <a:t>יצירת טרנזקציה, עם סיום לביצוע</a:t>
+            </a:r>
+            <a:endParaRPr lang="en-US" dirty="0" smtClean="0"/>
+          </a:p>
+          <a:p>
+            <a:pPr marL="0" indent="0" algn="l" rtl="0">
+              <a:buNone/>
+            </a:pPr>
+            <a:r>
+              <a:rPr lang="en-US" dirty="0" smtClean="0"/>
+              <a:t>BEGIN </a:t>
+            </a:r>
+            <a:r>
+              <a:rPr lang="en-US" dirty="0"/>
+              <a:t>TRANSACTION </a:t>
+            </a:r>
+            <a:endParaRPr lang="en-US" dirty="0" smtClean="0"/>
+          </a:p>
+          <a:p>
+            <a:pPr marL="0" indent="0" algn="l" rtl="0">
+              <a:buNone/>
+            </a:pPr>
+            <a:r>
+              <a:rPr lang="en-US" dirty="0" smtClean="0"/>
+              <a:t>UPDATE </a:t>
+            </a:r>
+            <a:r>
+              <a:rPr lang="en-US" dirty="0"/>
+              <a:t>table SET column = 'ABC' WHERE column = '123' </a:t>
+            </a:r>
+            <a:endParaRPr lang="en-US" dirty="0" smtClean="0"/>
+          </a:p>
+          <a:p>
+            <a:pPr marL="0" indent="0" algn="l" rtl="0">
+              <a:buNone/>
+            </a:pPr>
+            <a:r>
+              <a:rPr lang="en-US" dirty="0" smtClean="0"/>
+              <a:t>COMMIT </a:t>
+            </a:r>
+            <a:r>
+              <a:rPr lang="en-US" dirty="0"/>
+              <a:t>TRANSACTION --//column now has a value of 'ABC' </a:t>
+            </a:r>
+            <a:endParaRPr lang="en-US" dirty="0" smtClean="0"/>
+          </a:p>
+          <a:p>
+            <a:pPr marL="0" indent="0" algn="l" rtl="0">
+              <a:buNone/>
+            </a:pPr>
+            <a:endParaRPr lang="en-US" dirty="0"/>
+          </a:p>
+          <a:p>
+            <a:r>
+              <a:rPr lang="he-IL" dirty="0"/>
+              <a:t>יצירת טרנזקציה, </a:t>
+            </a:r>
+            <a:r>
+              <a:rPr lang="he-IL" dirty="0" smtClean="0"/>
+              <a:t>עם </a:t>
+            </a:r>
+            <a:r>
+              <a:rPr lang="en-US" dirty="0" smtClean="0"/>
+              <a:t>ROLLBACK</a:t>
+            </a:r>
+            <a:r>
+              <a:rPr lang="he-IL" dirty="0" smtClean="0"/>
+              <a:t> </a:t>
+            </a:r>
+            <a:r>
+              <a:rPr lang="en-US" dirty="0" smtClean="0"/>
+              <a:t> </a:t>
+            </a:r>
+            <a:r>
+              <a:rPr lang="en-US" dirty="0" err="1" smtClean="0"/>
+              <a:t>יזום</a:t>
+            </a:r>
+            <a:endParaRPr lang="en-US" dirty="0"/>
+          </a:p>
+          <a:p>
+            <a:pPr marL="0" indent="0" algn="l" rtl="0">
+              <a:buNone/>
+            </a:pPr>
+            <a:endParaRPr lang="en-US" dirty="0" smtClean="0"/>
+          </a:p>
+          <a:p>
+            <a:pPr marL="0" indent="0" algn="l" rtl="0">
+              <a:buNone/>
+            </a:pPr>
+            <a:r>
+              <a:rPr lang="en-US" dirty="0" smtClean="0"/>
+              <a:t>BEGIN </a:t>
+            </a:r>
+            <a:r>
+              <a:rPr lang="en-US" dirty="0"/>
+              <a:t>TRANSACTION </a:t>
+            </a:r>
+            <a:endParaRPr lang="en-US" dirty="0" smtClean="0"/>
+          </a:p>
+          <a:p>
+            <a:pPr marL="0" indent="0" algn="l" rtl="0">
+              <a:buNone/>
+            </a:pPr>
+            <a:r>
+              <a:rPr lang="en-US" dirty="0" smtClean="0"/>
+              <a:t>UPDATE </a:t>
+            </a:r>
+            <a:r>
+              <a:rPr lang="en-US" dirty="0"/>
+              <a:t>table SET column = 'ABC' WHERE column = '123' </a:t>
+            </a:r>
+            <a:endParaRPr lang="en-US" dirty="0" smtClean="0"/>
+          </a:p>
+          <a:p>
+            <a:pPr marL="0" indent="0" algn="l" rtl="0">
+              <a:buNone/>
+            </a:pPr>
+            <a:r>
+              <a:rPr lang="en-US" dirty="0" smtClean="0"/>
+              <a:t>ROLLBACK </a:t>
+            </a:r>
+            <a:r>
+              <a:rPr lang="en-US" dirty="0"/>
+              <a:t>TRANSACTION</a:t>
+            </a:r>
+            <a:endParaRPr lang="he-IL" dirty="0"/>
+          </a:p>
+        </p:txBody>
+      </p:sp>
+      <p:sp>
+        <p:nvSpPr>
+          <p:cNvPr id="4" name="מציין מיקום של מספר שקופית 3"/>
+          <p:cNvSpPr>
+            <a:spLocks noGrp="1"/>
+          </p:cNvSpPr>
+          <p:nvPr>
+            <p:ph type="sldNum" sz="quarter" idx="12"/>
+          </p:nvPr>
+        </p:nvSpPr>
+        <p:spPr>
+          <a:xfrm>
+            <a:off x="10678331" y="5915888"/>
+            <a:ext cx="1062155" cy="490599"/>
+          </a:xfrm>
+        </p:spPr>
+        <p:txBody>
+          <a:bodyPr/>
+          <a:lstStyle/>
+          <a:p>
+            <a:fld id="{D57F1E4F-1CFF-5643-939E-217C01CDF565}" type="slidenum">
+              <a:rPr lang="en-US" smtClean="0"/>
+              <a:pPr/>
+              <a:t>14</a:t>
+            </a:fld>
+            <a:endParaRPr lang="en-US" dirty="0"/>
+          </a:p>
+        </p:txBody>
+      </p:sp>
+      <p:sp>
+        <p:nvSpPr>
+          <p:cNvPr id="2" name="כותרת 1"/>
+          <p:cNvSpPr>
+            <a:spLocks noGrp="1"/>
+          </p:cNvSpPr>
+          <p:nvPr>
+            <p:ph type="title"/>
+          </p:nvPr>
+        </p:nvSpPr>
+        <p:spPr>
+          <a:xfrm>
+            <a:off x="810000" y="124901"/>
+            <a:ext cx="10571998" cy="970450"/>
+          </a:xfrm>
+        </p:spPr>
+        <p:txBody>
+          <a:bodyPr/>
+          <a:lstStyle/>
+          <a:p>
+            <a:pPr marL="342900" indent="-342900">
+              <a:spcBef>
+                <a:spcPct val="20000"/>
+              </a:spcBef>
+              <a:spcAft>
+                <a:spcPts val="600"/>
+              </a:spcAft>
+            </a:pPr>
+            <a:r>
+              <a:rPr lang="he-IL" dirty="0" smtClean="0"/>
+              <a:t>טרנזקציות - דוגמאות</a:t>
+            </a:r>
+            <a:endParaRPr lang="he-IL" dirty="0"/>
+          </a:p>
+        </p:txBody>
+      </p:sp>
+      <p:sp>
+        <p:nvSpPr>
+          <p:cNvPr id="5" name="מלבן 4"/>
+          <p:cNvSpPr/>
+          <p:nvPr/>
+        </p:nvSpPr>
+        <p:spPr>
+          <a:xfrm>
+            <a:off x="5704706" y="3244334"/>
+            <a:ext cx="782587" cy="369332"/>
+          </a:xfrm>
+          <a:prstGeom prst="rect">
+            <a:avLst/>
+          </a:prstGeom>
+        </p:spPr>
+        <p:txBody>
+          <a:bodyPr wrap="none">
+            <a:spAutoFit/>
+          </a:bodyPr>
+          <a:lstStyle/>
+          <a:p>
+            <a:r>
+              <a:rPr lang="en-US" dirty="0" smtClean="0"/>
+              <a:t>T-SQL</a:t>
+            </a:r>
+            <a:endParaRPr lang="he-IL" dirty="0"/>
+          </a:p>
+        </p:txBody>
+      </p:sp>
+    </p:spTree>
+    <p:extLst>
+      <p:ext uri="{BB962C8B-B14F-4D97-AF65-F5344CB8AC3E}">
+        <p14:creationId xmlns:p14="http://schemas.microsoft.com/office/powerpoint/2010/main" val="4093364629"/>
+      </p:ext>
+    </p:extLst>
+  </p:cSld>
+  <p:clrMapOvr>
+    <a:masterClrMapping/>
+  </p:clrMapOvr>
+  <p:timing>
+    <p:tnLst>
+      <p:par>
+        <p:cTn id="1" dur="indefinite" restart="never" nodeType="tmRoot"/>
+      </p:par>
+    </p:tnLst>
+  </p:timing>
+</p:sld>
+</file>
+
+<file path=ppt/slides/slide15.xml><?xml version="1.0" encoding="utf-8"?>
+<p:sld xmlns:a="http://schemas.openxmlformats.org/drawingml/2006/main" xmlns:r="http://schemas.openxmlformats.org/officeDocument/2006/relationships" xmlns:p="http://schemas.openxmlformats.org/presentationml/2006/main">
+  <p:cSld>
+    <p:spTree>
+      <p:nvGrpSpPr>
+        <p:cNvPr id="1" name=""/>
+        <p:cNvGrpSpPr/>
+        <p:nvPr/>
+      </p:nvGrpSpPr>
+      <p:grpSpPr>
+        <a:xfrm>
+          <a:off x="0" y="0"/>
+          <a:ext cx="0" cy="0"/>
+          <a:chOff x="0" y="0"/>
+          <a:chExt cx="0" cy="0"/>
+        </a:xfrm>
+      </p:grpSpPr>
+      <p:sp>
+        <p:nvSpPr>
+          <p:cNvPr id="3" name="מציין מיקום תוכן 2"/>
+          <p:cNvSpPr>
+            <a:spLocks noGrp="1"/>
+          </p:cNvSpPr>
+          <p:nvPr>
+            <p:ph idx="1"/>
+          </p:nvPr>
+        </p:nvSpPr>
+        <p:spPr/>
+        <p:txBody>
+          <a:bodyPr anchor="t">
+            <a:normAutofit/>
+          </a:bodyPr>
+          <a:lstStyle/>
+          <a:p>
+            <a:r>
+              <a:rPr lang="he-IL" dirty="0" smtClean="0"/>
+              <a:t>אנחנו נשתמש בטרנזקציות כאשר נכתוב קוד #</a:t>
+            </a:r>
+            <a:r>
+              <a:rPr lang="en-US" dirty="0" smtClean="0"/>
+              <a:t>C</a:t>
+            </a:r>
+            <a:r>
+              <a:rPr lang="he-IL" dirty="0" smtClean="0"/>
+              <a:t> בו נשלב מספר פקודות אשר יבוצעו יחד</a:t>
+            </a:r>
+          </a:p>
+          <a:p>
+            <a:r>
+              <a:rPr lang="he-IL" dirty="0" smtClean="0"/>
+              <a:t>או... שנוכל להשתמש בהם בעת כתיבת קוד אשר רץ בשרת ה-</a:t>
+            </a:r>
+            <a:r>
+              <a:rPr lang="en-US" dirty="0" smtClean="0"/>
+              <a:t>SQL</a:t>
+            </a:r>
+            <a:r>
+              <a:rPr lang="he-IL" dirty="0" smtClean="0"/>
+              <a:t> (לא במסגרת קורס זה)</a:t>
+            </a:r>
+          </a:p>
+          <a:p>
+            <a:endParaRPr lang="he-IL" dirty="0"/>
+          </a:p>
+          <a:p>
+            <a:r>
+              <a:rPr lang="he-IL" dirty="0" smtClean="0"/>
+              <a:t>בכל אחד מהמקרים נוכל לתפוס בעיות וליצור </a:t>
+            </a:r>
+            <a:r>
+              <a:rPr lang="en-US" dirty="0" smtClean="0"/>
+              <a:t>ROLLBACK</a:t>
+            </a:r>
+            <a:r>
+              <a:rPr lang="he-IL" dirty="0" smtClean="0"/>
+              <a:t> על פי הצורך לנקודה בה אנחנו רוצים ולאו דווקא לבטל תהליך שלם.</a:t>
+            </a:r>
+          </a:p>
+          <a:p>
+            <a:r>
+              <a:rPr lang="he-IL" dirty="0" smtClean="0"/>
+              <a:t>למי שמעוניין לקרוא יותא, ניתן לקרוא בלינק הבא: </a:t>
+            </a:r>
+            <a:r>
+              <a:rPr lang="en-US">
+                <a:hlinkClick r:id="rId3"/>
+              </a:rPr>
+              <a:t>https://www.c-sharpcorner.com/UploadFile/84c85b/understanding-transactions-in-sql-server/</a:t>
+            </a:r>
+            <a:endParaRPr lang="he-IL" dirty="0" smtClean="0"/>
+          </a:p>
+        </p:txBody>
+      </p:sp>
+      <p:sp>
+        <p:nvSpPr>
+          <p:cNvPr id="4" name="מציין מיקום של מספר שקופית 3"/>
+          <p:cNvSpPr>
+            <a:spLocks noGrp="1"/>
+          </p:cNvSpPr>
+          <p:nvPr>
+            <p:ph type="sldNum" sz="quarter" idx="12"/>
+          </p:nvPr>
+        </p:nvSpPr>
+        <p:spPr>
+          <a:xfrm>
+            <a:off x="10678331" y="5915888"/>
+            <a:ext cx="1062155" cy="490599"/>
+          </a:xfrm>
+        </p:spPr>
+        <p:txBody>
+          <a:bodyPr/>
+          <a:lstStyle/>
+          <a:p>
+            <a:fld id="{D57F1E4F-1CFF-5643-939E-217C01CDF565}" type="slidenum">
+              <a:rPr lang="en-US" smtClean="0"/>
+              <a:pPr/>
+              <a:t>15</a:t>
+            </a:fld>
+            <a:endParaRPr lang="en-US" dirty="0"/>
+          </a:p>
+        </p:txBody>
+      </p:sp>
+      <p:sp>
+        <p:nvSpPr>
+          <p:cNvPr id="2" name="כותרת 1"/>
+          <p:cNvSpPr>
+            <a:spLocks noGrp="1"/>
+          </p:cNvSpPr>
+          <p:nvPr>
+            <p:ph type="title"/>
+          </p:nvPr>
+        </p:nvSpPr>
+        <p:spPr>
+          <a:xfrm>
+            <a:off x="810000" y="124901"/>
+            <a:ext cx="10571998" cy="970450"/>
+          </a:xfrm>
+        </p:spPr>
+        <p:txBody>
+          <a:bodyPr/>
+          <a:lstStyle/>
+          <a:p>
+            <a:pPr marL="342900" indent="-342900">
+              <a:spcBef>
+                <a:spcPct val="20000"/>
+              </a:spcBef>
+              <a:spcAft>
+                <a:spcPts val="600"/>
+              </a:spcAft>
+            </a:pPr>
+            <a:r>
+              <a:rPr lang="he-IL" dirty="0" smtClean="0"/>
+              <a:t>טרנזקציות מורכבות</a:t>
+            </a:r>
+            <a:endParaRPr lang="he-IL" dirty="0"/>
+          </a:p>
+        </p:txBody>
+      </p:sp>
+      <p:sp>
+        <p:nvSpPr>
+          <p:cNvPr id="5" name="מלבן 4"/>
+          <p:cNvSpPr/>
+          <p:nvPr/>
+        </p:nvSpPr>
+        <p:spPr>
+          <a:xfrm>
+            <a:off x="5704706" y="3244334"/>
+            <a:ext cx="782587" cy="369332"/>
+          </a:xfrm>
+          <a:prstGeom prst="rect">
+            <a:avLst/>
+          </a:prstGeom>
+        </p:spPr>
+        <p:txBody>
+          <a:bodyPr wrap="none">
+            <a:spAutoFit/>
+          </a:bodyPr>
+          <a:lstStyle/>
+          <a:p>
+            <a:r>
+              <a:rPr lang="en-US" dirty="0" smtClean="0"/>
+              <a:t>T-SQL</a:t>
+            </a:r>
+            <a:endParaRPr lang="he-IL" dirty="0"/>
+          </a:p>
+        </p:txBody>
+      </p:sp>
+    </p:spTree>
+    <p:extLst>
+      <p:ext uri="{BB962C8B-B14F-4D97-AF65-F5344CB8AC3E}">
+        <p14:creationId xmlns:p14="http://schemas.microsoft.com/office/powerpoint/2010/main" val="2141348554"/>
+      </p:ext>
+    </p:extLst>
+  </p:cSld>
+  <p:clrMapOvr>
+    <a:masterClrMapping/>
+  </p:clrMapOvr>
+  <p:timing>
+    <p:tnLst>
+      <p:par>
+        <p:cTn id="1" dur="indefinite" restart="never" nodeType="tmRoot"/>
+      </p:par>
+    </p:tnLst>
+  </p:timing>
+</p:sld>
+</file>
+
+<file path=ppt/slides/slide16.xml><?xml version="1.0" encoding="utf-8"?>
+<p:sld xmlns:a="http://schemas.openxmlformats.org/drawingml/2006/main" xmlns:r="http://schemas.openxmlformats.org/officeDocument/2006/relationships" xmlns:p="http://schemas.openxmlformats.org/presentationml/2006/main">
+  <p:cSld>
+    <p:spTree>
+      <p:nvGrpSpPr>
+        <p:cNvPr id="1" name=""/>
+        <p:cNvGrpSpPr/>
+        <p:nvPr/>
+      </p:nvGrpSpPr>
+      <p:grpSpPr>
+        <a:xfrm>
+          <a:off x="0" y="0"/>
+          <a:ext cx="0" cy="0"/>
+          <a:chOff x="0" y="0"/>
+          <a:chExt cx="0" cy="0"/>
+        </a:xfrm>
+      </p:grpSpPr>
+      <p:sp>
+        <p:nvSpPr>
           <p:cNvPr id="4" name="כותרת 3"/>
           <p:cNvSpPr>
             <a:spLocks noGrp="1"/>
@@ -9885,7 +11269,7 @@
             <a:fld id="{D57F1E4F-1CFF-5643-939E-217C01CDF565}" type="slidenum">
               <a:rPr lang="en-US" smtClean="0"/>
               <a:pPr/>
-              <a:t>12</a:t>
+              <a:t>16</a:t>
             </a:fld>
             <a:endParaRPr lang="en-US" dirty="0"/>
           </a:p>
@@ -12051,7 +13435,7 @@
   <a:extraClrSchemeLst/>
   <a:extLst>
     <a:ext uri="{05A4C25C-085E-4340-85A3-A5531E510DB2}">
-      <thm15:themeFamily xmlns:thm15="http://schemas.microsoft.com/office/thememl/2012/main" name="Quotable" id="{39EC5628-30ED-4578-ACD8-9820EDB8E15A}" vid="{6F3559E9-1A4C-49D8-94D4-F41003531C49}"/>
+      <thm15:themeFamily xmlns:thm15="http://schemas.microsoft.com/office/thememl/2012/main" xmlns="" name="Quotable" id="{39EC5628-30ED-4578-ACD8-9820EDB8E15A}" vid="{6F3559E9-1A4C-49D8-94D4-F41003531C49}"/>
     </a:ext>
   </a:extLst>
 </a:theme>
@@ -12312,7 +13696,7 @@
   <a:extraClrSchemeLst/>
   <a:extLst>
     <a:ext uri="{05A4C25C-085E-4340-85A3-A5531E510DB2}">
-      <thm15:themeFamily xmlns:thm15="http://schemas.microsoft.com/office/thememl/2012/main" name="Office Theme" id="{62F939B6-93AF-4DB8-9C6B-D6C7DFDC589F}" vid="{4A3C46E8-61CC-4603-A589-7422A47A8E4A}"/>
+      <thm15:themeFamily xmlns:thm15="http://schemas.microsoft.com/office/thememl/2012/main" xmlns="" name="Office Theme" id="{62F939B6-93AF-4DB8-9C6B-D6C7DFDC589F}" vid="{4A3C46E8-61CC-4603-A589-7422A47A8E4A}"/>
     </a:ext>
   </a:extLst>
 </a:theme>
@@ -12573,7 +13957,7 @@
   <a:extraClrSchemeLst/>
   <a:extLst>
     <a:ext uri="{05A4C25C-085E-4340-85A3-A5531E510DB2}">
-      <thm15:themeFamily xmlns:thm15="http://schemas.microsoft.com/office/thememl/2012/main" name="Office Theme" id="{62F939B6-93AF-4DB8-9C6B-D6C7DFDC589F}" vid="{4A3C46E8-61CC-4603-A589-7422A47A8E4A}"/>
+      <thm15:themeFamily xmlns:thm15="http://schemas.microsoft.com/office/thememl/2012/main" xmlns="" name="Office Theme" id="{62F939B6-93AF-4DB8-9C6B-D6C7DFDC589F}" vid="{4A3C46E8-61CC-4603-A589-7422A47A8E4A}"/>
     </a:ext>
   </a:extLst>
 </a:theme>
